--- a/RWorkshopBonus-MapsAndSpatialAnalysis.pptx
+++ b/RWorkshopBonus-MapsAndSpatialAnalysis.pptx
@@ -295,7 +295,7 @@
           <a:p>
             <a:fld id="{5952F3A4-5068-400C-A685-C15B203D2248}" type="datetimeFigureOut">
               <a:rPr lang="en-US" smtClean="0"/>
-              <a:t>1/7/21</a:t>
+              <a:t>5/3/21</a:t>
             </a:fld>
             <a:endParaRPr lang="en-US"/>
           </a:p>
@@ -833,7 +833,7 @@
           <a:p>
             <a:fld id="{00BF8C21-56F9-7F45-9BE6-170CE0BB39D5}" type="datetime1">
               <a:rPr lang="en-US" smtClean="0"/>
-              <a:t>1/7/21</a:t>
+              <a:t>5/3/21</a:t>
             </a:fld>
             <a:endParaRPr lang="en-US"/>
           </a:p>
@@ -1002,7 +1002,7 @@
           <a:p>
             <a:fld id="{A737B604-0C62-C04F-B145-E6A0DEC50ECB}" type="datetime1">
               <a:rPr lang="en-US" smtClean="0"/>
-              <a:t>1/7/21</a:t>
+              <a:t>5/3/21</a:t>
             </a:fld>
             <a:endParaRPr lang="en-US"/>
           </a:p>
@@ -1181,7 +1181,7 @@
           <a:p>
             <a:fld id="{117EA27E-C90F-E447-B643-42AE66CD7C39}" type="datetime1">
               <a:rPr lang="en-US" smtClean="0"/>
-              <a:t>1/7/21</a:t>
+              <a:t>5/3/21</a:t>
             </a:fld>
             <a:endParaRPr lang="en-US"/>
           </a:p>
@@ -1350,7 +1350,7 @@
           <a:p>
             <a:fld id="{80E56CA1-8BAF-324E-9746-ABECD9EE90D2}" type="datetime1">
               <a:rPr lang="en-US" smtClean="0"/>
-              <a:t>1/7/21</a:t>
+              <a:t>5/3/21</a:t>
             </a:fld>
             <a:endParaRPr lang="en-US"/>
           </a:p>
@@ -1596,7 +1596,7 @@
           <a:p>
             <a:fld id="{79BE2B23-0537-4949-8D22-45E45AB20268}" type="datetime1">
               <a:rPr lang="en-US" smtClean="0"/>
-              <a:t>1/7/21</a:t>
+              <a:t>5/3/21</a:t>
             </a:fld>
             <a:endParaRPr lang="en-US"/>
           </a:p>
@@ -1882,7 +1882,7 @@
           <a:p>
             <a:fld id="{7397BC46-30BB-FC46-A676-76F958633A30}" type="datetime1">
               <a:rPr lang="en-US" smtClean="0"/>
-              <a:t>1/7/21</a:t>
+              <a:t>5/3/21</a:t>
             </a:fld>
             <a:endParaRPr lang="en-US"/>
           </a:p>
@@ -2302,7 +2302,7 @@
           <a:p>
             <a:fld id="{93BB4F89-B331-CB42-8AFF-F12B7C0ECB68}" type="datetime1">
               <a:rPr lang="en-US" smtClean="0"/>
-              <a:t>1/7/21</a:t>
+              <a:t>5/3/21</a:t>
             </a:fld>
             <a:endParaRPr lang="en-US"/>
           </a:p>
@@ -2420,7 +2420,7 @@
           <a:p>
             <a:fld id="{142DB92E-63A0-3344-AC6B-57E749CCF3DC}" type="datetime1">
               <a:rPr lang="en-US" smtClean="0"/>
-              <a:t>1/7/21</a:t>
+              <a:t>5/3/21</a:t>
             </a:fld>
             <a:endParaRPr lang="en-US"/>
           </a:p>
@@ -2516,7 +2516,7 @@
           <a:p>
             <a:fld id="{8E082058-9D13-094F-9C7C-E0952F6446E9}" type="datetime1">
               <a:rPr lang="en-US" smtClean="0"/>
-              <a:t>1/7/21</a:t>
+              <a:t>5/3/21</a:t>
             </a:fld>
             <a:endParaRPr lang="en-US"/>
           </a:p>
@@ -2792,7 +2792,7 @@
           <a:p>
             <a:fld id="{0FAF713F-B68F-314D-B86D-0ADACDB226C4}" type="datetime1">
               <a:rPr lang="en-US" smtClean="0"/>
-              <a:t>1/7/21</a:t>
+              <a:t>5/3/21</a:t>
             </a:fld>
             <a:endParaRPr lang="en-US"/>
           </a:p>
@@ -3045,7 +3045,7 @@
           <a:p>
             <a:fld id="{D76FEDC9-1D3F-5641-A12D-1C54240AC06B}" type="datetime1">
               <a:rPr lang="en-US" smtClean="0"/>
-              <a:t>1/7/21</a:t>
+              <a:t>5/3/21</a:t>
             </a:fld>
             <a:endParaRPr lang="en-US"/>
           </a:p>
@@ -3257,7 +3257,7 @@
           <a:p>
             <a:fld id="{7146D99A-7673-924F-BAAA-761381C54795}" type="datetime1">
               <a:rPr lang="en-US" smtClean="0"/>
-              <a:t>1/7/21</a:t>
+              <a:t>5/3/21</a:t>
             </a:fld>
             <a:endParaRPr lang="en-US"/>
           </a:p>
@@ -3702,9 +3702,10 @@
           </a:p>
           <a:p>
             <a:r>
-              <a:rPr lang="en-US" dirty="0"/>
-              <a:t>SER 2020</a:t>
-            </a:r>
+              <a:rPr lang="en-US"/>
+              <a:t>SER 2021</a:t>
+            </a:r>
+            <a:endParaRPr lang="en-US" dirty="0"/>
           </a:p>
         </p:txBody>
       </p:sp>
@@ -3773,14 +3774,14 @@
           </a:ln>
           <a:extLst>
             <a:ext uri="{909E8E84-426E-40dd-AFC4-6F175D3DCCD1}">
-              <a14:hiddenFill xmlns:a14="http://schemas.microsoft.com/office/drawing/2010/main" xmlns="">
+              <a14:hiddenFill xmlns="" xmlns:a14="http://schemas.microsoft.com/office/drawing/2010/main">
                 <a:solidFill>
                   <a:schemeClr val="accent1"/>
                 </a:solidFill>
               </a14:hiddenFill>
             </a:ext>
             <a:ext uri="{91240B29-F687-4f45-9708-019B960494DF}">
-              <a14:hiddenLine xmlns:a14="http://schemas.microsoft.com/office/drawing/2010/main" xmlns="" w="9525">
+              <a14:hiddenLine xmlns="" xmlns:a14="http://schemas.microsoft.com/office/drawing/2010/main" w="9525">
                 <a:solidFill>
                   <a:schemeClr val="tx1"/>
                 </a:solidFill>
@@ -3827,14 +3828,14 @@
           </a:ln>
           <a:extLst>
             <a:ext uri="{909E8E84-426E-40dd-AFC4-6F175D3DCCD1}">
-              <a14:hiddenFill xmlns:a14="http://schemas.microsoft.com/office/drawing/2010/main" xmlns="">
+              <a14:hiddenFill xmlns="" xmlns:a14="http://schemas.microsoft.com/office/drawing/2010/main">
                 <a:solidFill>
                   <a:schemeClr val="accent1"/>
                 </a:solidFill>
               </a14:hiddenFill>
             </a:ext>
             <a:ext uri="{91240B29-F687-4f45-9708-019B960494DF}">
-              <a14:hiddenLine xmlns:a14="http://schemas.microsoft.com/office/drawing/2010/main" xmlns="" w="9525">
+              <a14:hiddenLine xmlns="" xmlns:a14="http://schemas.microsoft.com/office/drawing/2010/main" w="9525">
                 <a:solidFill>
                   <a:schemeClr val="tx1"/>
                 </a:solidFill>
@@ -3881,14 +3882,14 @@
           </a:ln>
           <a:extLst>
             <a:ext uri="{909E8E84-426E-40dd-AFC4-6F175D3DCCD1}">
-              <a14:hiddenFill xmlns:a14="http://schemas.microsoft.com/office/drawing/2010/main" xmlns="">
+              <a14:hiddenFill xmlns="" xmlns:a14="http://schemas.microsoft.com/office/drawing/2010/main">
                 <a:solidFill>
                   <a:schemeClr val="accent1"/>
                 </a:solidFill>
               </a14:hiddenFill>
             </a:ext>
             <a:ext uri="{91240B29-F687-4f45-9708-019B960494DF}">
-              <a14:hiddenLine xmlns:a14="http://schemas.microsoft.com/office/drawing/2010/main" xmlns="" w="9525">
+              <a14:hiddenLine xmlns="" xmlns:a14="http://schemas.microsoft.com/office/drawing/2010/main" w="9525">
                 <a:solidFill>
                   <a:schemeClr val="tx1"/>
                 </a:solidFill>
@@ -4238,14 +4239,14 @@
           </a:ln>
           <a:extLst>
             <a:ext uri="{909E8E84-426E-40dd-AFC4-6F175D3DCCD1}">
-              <a14:hiddenFill xmlns:a14="http://schemas.microsoft.com/office/drawing/2010/main" xmlns="">
+              <a14:hiddenFill xmlns="" xmlns:a14="http://schemas.microsoft.com/office/drawing/2010/main">
                 <a:solidFill>
                   <a:schemeClr val="accent1"/>
                 </a:solidFill>
               </a14:hiddenFill>
             </a:ext>
             <a:ext uri="{91240B29-F687-4f45-9708-019B960494DF}">
-              <a14:hiddenLine xmlns:a14="http://schemas.microsoft.com/office/drawing/2010/main" xmlns="" w="9525">
+              <a14:hiddenLine xmlns="" xmlns:a14="http://schemas.microsoft.com/office/drawing/2010/main" w="9525">
                 <a:solidFill>
                   <a:schemeClr val="tx1"/>
                 </a:solidFill>
@@ -4831,14 +4832,14 @@
           </a:ln>
           <a:extLst>
             <a:ext uri="{909E8E84-426E-40dd-AFC4-6F175D3DCCD1}">
-              <a14:hiddenFill xmlns:a14="http://schemas.microsoft.com/office/drawing/2010/main" xmlns="">
+              <a14:hiddenFill xmlns="" xmlns:a14="http://schemas.microsoft.com/office/drawing/2010/main">
                 <a:solidFill>
                   <a:schemeClr val="accent1"/>
                 </a:solidFill>
               </a14:hiddenFill>
             </a:ext>
             <a:ext uri="{91240B29-F687-4f45-9708-019B960494DF}">
-              <a14:hiddenLine xmlns:a14="http://schemas.microsoft.com/office/drawing/2010/main" xmlns="" w="9525">
+              <a14:hiddenLine xmlns="" xmlns:a14="http://schemas.microsoft.com/office/drawing/2010/main" w="9525">
                 <a:solidFill>
                   <a:schemeClr val="tx1"/>
                 </a:solidFill>
@@ -5068,14 +5069,14 @@
           </a:ln>
           <a:extLst>
             <a:ext uri="{909E8E84-426E-40dd-AFC4-6F175D3DCCD1}">
-              <a14:hiddenFill xmlns:a14="http://schemas.microsoft.com/office/drawing/2010/main" xmlns="">
+              <a14:hiddenFill xmlns="" xmlns:a14="http://schemas.microsoft.com/office/drawing/2010/main">
                 <a:solidFill>
                   <a:schemeClr val="accent1"/>
                 </a:solidFill>
               </a14:hiddenFill>
             </a:ext>
             <a:ext uri="{91240B29-F687-4f45-9708-019B960494DF}">
-              <a14:hiddenLine xmlns:a14="http://schemas.microsoft.com/office/drawing/2010/main" xmlns="" w="9525">
+              <a14:hiddenLine xmlns="" xmlns:a14="http://schemas.microsoft.com/office/drawing/2010/main" w="9525">
                 <a:solidFill>
                   <a:schemeClr val="tx1"/>
                 </a:solidFill>
@@ -5122,14 +5123,14 @@
           </a:ln>
           <a:extLst>
             <a:ext uri="{909E8E84-426E-40dd-AFC4-6F175D3DCCD1}">
-              <a14:hiddenFill xmlns:a14="http://schemas.microsoft.com/office/drawing/2010/main" xmlns="">
+              <a14:hiddenFill xmlns="" xmlns:a14="http://schemas.microsoft.com/office/drawing/2010/main">
                 <a:solidFill>
                   <a:schemeClr val="accent1"/>
                 </a:solidFill>
               </a14:hiddenFill>
             </a:ext>
             <a:ext uri="{91240B29-F687-4f45-9708-019B960494DF}">
-              <a14:hiddenLine xmlns:a14="http://schemas.microsoft.com/office/drawing/2010/main" xmlns="" w="9525">
+              <a14:hiddenLine xmlns="" xmlns:a14="http://schemas.microsoft.com/office/drawing/2010/main" w="9525">
                 <a:solidFill>
                   <a:schemeClr val="tx1"/>
                 </a:solidFill>
@@ -5319,14 +5320,14 @@
           </a:ln>
           <a:extLst>
             <a:ext uri="{909E8E84-426E-40dd-AFC4-6F175D3DCCD1}">
-              <a14:hiddenFill xmlns:a14="http://schemas.microsoft.com/office/drawing/2010/main" xmlns="">
+              <a14:hiddenFill xmlns="" xmlns:a14="http://schemas.microsoft.com/office/drawing/2010/main">
                 <a:solidFill>
                   <a:schemeClr val="accent1"/>
                 </a:solidFill>
               </a14:hiddenFill>
             </a:ext>
             <a:ext uri="{91240B29-F687-4f45-9708-019B960494DF}">
-              <a14:hiddenLine xmlns:a14="http://schemas.microsoft.com/office/drawing/2010/main" xmlns="" w="9525">
+              <a14:hiddenLine xmlns="" xmlns:a14="http://schemas.microsoft.com/office/drawing/2010/main" w="9525">
                 <a:solidFill>
                   <a:schemeClr val="tx1"/>
                 </a:solidFill>
@@ -5506,14 +5507,14 @@
           </a:ln>
           <a:extLst>
             <a:ext uri="{909E8E84-426E-40dd-AFC4-6F175D3DCCD1}">
-              <a14:hiddenFill xmlns:a14="http://schemas.microsoft.com/office/drawing/2010/main" xmlns="">
+              <a14:hiddenFill xmlns="" xmlns:a14="http://schemas.microsoft.com/office/drawing/2010/main">
                 <a:solidFill>
                   <a:schemeClr val="accent1"/>
                 </a:solidFill>
               </a14:hiddenFill>
             </a:ext>
             <a:ext uri="{91240B29-F687-4f45-9708-019B960494DF}">
-              <a14:hiddenLine xmlns:a14="http://schemas.microsoft.com/office/drawing/2010/main" xmlns="" w="9525">
+              <a14:hiddenLine xmlns="" xmlns:a14="http://schemas.microsoft.com/office/drawing/2010/main" w="9525">
                 <a:solidFill>
                   <a:schemeClr val="tx1"/>
                 </a:solidFill>
@@ -5697,14 +5698,14 @@
           </a:ln>
           <a:extLst>
             <a:ext uri="{909E8E84-426E-40dd-AFC4-6F175D3DCCD1}">
-              <a14:hiddenFill xmlns:a14="http://schemas.microsoft.com/office/drawing/2010/main" xmlns="">
+              <a14:hiddenFill xmlns="" xmlns:a14="http://schemas.microsoft.com/office/drawing/2010/main">
                 <a:solidFill>
                   <a:schemeClr val="accent1"/>
                 </a:solidFill>
               </a14:hiddenFill>
             </a:ext>
             <a:ext uri="{91240B29-F687-4f45-9708-019B960494DF}">
-              <a14:hiddenLine xmlns:a14="http://schemas.microsoft.com/office/drawing/2010/main" xmlns="" w="9525">
+              <a14:hiddenLine xmlns="" xmlns:a14="http://schemas.microsoft.com/office/drawing/2010/main" w="9525">
                 <a:solidFill>
                   <a:schemeClr val="tx1"/>
                 </a:solidFill>
@@ -6058,14 +6059,14 @@
           </a:ln>
           <a:extLst>
             <a:ext uri="{909E8E84-426E-40dd-AFC4-6F175D3DCCD1}">
-              <a14:hiddenFill xmlns:a14="http://schemas.microsoft.com/office/drawing/2010/main" xmlns="">
+              <a14:hiddenFill xmlns="" xmlns:a14="http://schemas.microsoft.com/office/drawing/2010/main">
                 <a:solidFill>
                   <a:schemeClr val="accent1"/>
                 </a:solidFill>
               </a14:hiddenFill>
             </a:ext>
             <a:ext uri="{91240B29-F687-4f45-9708-019B960494DF}">
-              <a14:hiddenLine xmlns:a14="http://schemas.microsoft.com/office/drawing/2010/main" xmlns="" w="9525">
+              <a14:hiddenLine xmlns="" xmlns:a14="http://schemas.microsoft.com/office/drawing/2010/main" w="9525">
                 <a:solidFill>
                   <a:schemeClr val="tx1"/>
                 </a:solidFill>
@@ -6113,14 +6114,14 @@
           <a:effectLst/>
           <a:extLst>
             <a:ext uri="{909E8E84-426E-40dd-AFC4-6F175D3DCCD1}">
-              <a14:hiddenFill xmlns:a14="http://schemas.microsoft.com/office/drawing/2010/main" xmlns="">
+              <a14:hiddenFill xmlns="" xmlns:a14="http://schemas.microsoft.com/office/drawing/2010/main">
                 <a:solidFill>
                   <a:schemeClr val="accent1"/>
                 </a:solidFill>
               </a14:hiddenFill>
             </a:ext>
             <a:ext uri="{91240B29-F687-4f45-9708-019B960494DF}">
-              <a14:hiddenLine xmlns:a14="http://schemas.microsoft.com/office/drawing/2010/main" xmlns="" w="9525">
+              <a14:hiddenLine xmlns="" xmlns:a14="http://schemas.microsoft.com/office/drawing/2010/main" w="9525">
                 <a:solidFill>
                   <a:schemeClr val="tx1"/>
                 </a:solidFill>
@@ -6130,7 +6131,7 @@
               </a14:hiddenLine>
             </a:ext>
             <a:ext uri="{AF507438-7753-43e0-B8FC-AC1667EBCBE1}">
-              <a14:hiddenEffects xmlns:a14="http://schemas.microsoft.com/office/drawing/2010/main" xmlns="">
+              <a14:hiddenEffects xmlns="" xmlns:a14="http://schemas.microsoft.com/office/drawing/2010/main">
                 <a:effectLst>
                   <a:outerShdw dist="35921" dir="2700000" algn="ctr" rotWithShape="0">
                     <a:schemeClr val="bg2"/>
@@ -7547,14 +7548,14 @@
           </a:ln>
           <a:extLst>
             <a:ext uri="{909E8E84-426E-40dd-AFC4-6F175D3DCCD1}">
-              <a14:hiddenFill xmlns:a14="http://schemas.microsoft.com/office/drawing/2010/main" xmlns="">
+              <a14:hiddenFill xmlns="" xmlns:a14="http://schemas.microsoft.com/office/drawing/2010/main">
                 <a:solidFill>
                   <a:schemeClr val="accent1"/>
                 </a:solidFill>
               </a14:hiddenFill>
             </a:ext>
             <a:ext uri="{91240B29-F687-4f45-9708-019B960494DF}">
-              <a14:hiddenLine xmlns:a14="http://schemas.microsoft.com/office/drawing/2010/main" xmlns="" w="9525">
+              <a14:hiddenLine xmlns="" xmlns:a14="http://schemas.microsoft.com/office/drawing/2010/main" w="9525">
                 <a:solidFill>
                   <a:schemeClr val="tx1"/>
                 </a:solidFill>
@@ -8949,14 +8950,14 @@
           <a:effectLst/>
           <a:extLst>
             <a:ext uri="{909E8E84-426E-40dd-AFC4-6F175D3DCCD1}">
-              <a14:hiddenFill xmlns:a14="http://schemas.microsoft.com/office/drawing/2010/main" xmlns="">
+              <a14:hiddenFill xmlns="" xmlns:a14="http://schemas.microsoft.com/office/drawing/2010/main">
                 <a:solidFill>
                   <a:schemeClr val="accent1"/>
                 </a:solidFill>
               </a14:hiddenFill>
             </a:ext>
             <a:ext uri="{91240B29-F687-4f45-9708-019B960494DF}">
-              <a14:hiddenLine xmlns:a14="http://schemas.microsoft.com/office/drawing/2010/main" xmlns="" w="9525">
+              <a14:hiddenLine xmlns="" xmlns:a14="http://schemas.microsoft.com/office/drawing/2010/main" w="9525">
                 <a:solidFill>
                   <a:schemeClr val="tx1"/>
                 </a:solidFill>
@@ -8966,7 +8967,7 @@
               </a14:hiddenLine>
             </a:ext>
             <a:ext uri="{AF507438-7753-43e0-B8FC-AC1667EBCBE1}">
-              <a14:hiddenEffects xmlns:a14="http://schemas.microsoft.com/office/drawing/2010/main" xmlns="">
+              <a14:hiddenEffects xmlns="" xmlns:a14="http://schemas.microsoft.com/office/drawing/2010/main">
                 <a:effectLst>
                   <a:outerShdw dist="35921" dir="2700000" algn="ctr" rotWithShape="0">
                     <a:schemeClr val="bg2"/>
@@ -9138,14 +9139,14 @@
           <a:effectLst/>
           <a:extLst>
             <a:ext uri="{909E8E84-426E-40dd-AFC4-6F175D3DCCD1}">
-              <a14:hiddenFill xmlns:a14="http://schemas.microsoft.com/office/drawing/2010/main" xmlns="">
+              <a14:hiddenFill xmlns="" xmlns:a14="http://schemas.microsoft.com/office/drawing/2010/main">
                 <a:solidFill>
                   <a:schemeClr val="accent1"/>
                 </a:solidFill>
               </a14:hiddenFill>
             </a:ext>
             <a:ext uri="{91240B29-F687-4f45-9708-019B960494DF}">
-              <a14:hiddenLine xmlns:a14="http://schemas.microsoft.com/office/drawing/2010/main" xmlns="" w="9525">
+              <a14:hiddenLine xmlns="" xmlns:a14="http://schemas.microsoft.com/office/drawing/2010/main" w="9525">
                 <a:solidFill>
                   <a:schemeClr val="tx1"/>
                 </a:solidFill>
@@ -9155,7 +9156,7 @@
               </a14:hiddenLine>
             </a:ext>
             <a:ext uri="{AF507438-7753-43e0-B8FC-AC1667EBCBE1}">
-              <a14:hiddenEffects xmlns:a14="http://schemas.microsoft.com/office/drawing/2010/main" xmlns="">
+              <a14:hiddenEffects xmlns="" xmlns:a14="http://schemas.microsoft.com/office/drawing/2010/main">
                 <a:effectLst>
                   <a:outerShdw dist="35921" dir="2700000" algn="ctr" rotWithShape="0">
                     <a:schemeClr val="bg2"/>
@@ -9410,14 +9411,14 @@
           </a:ln>
           <a:extLst>
             <a:ext uri="{909E8E84-426E-40dd-AFC4-6F175D3DCCD1}">
-              <a14:hiddenFill xmlns:a14="http://schemas.microsoft.com/office/drawing/2010/main" xmlns="">
+              <a14:hiddenFill xmlns="" xmlns:a14="http://schemas.microsoft.com/office/drawing/2010/main">
                 <a:solidFill>
                   <a:schemeClr val="accent1"/>
                 </a:solidFill>
               </a14:hiddenFill>
             </a:ext>
             <a:ext uri="{91240B29-F687-4f45-9708-019B960494DF}">
-              <a14:hiddenLine xmlns:a14="http://schemas.microsoft.com/office/drawing/2010/main" xmlns="" w="9525">
+              <a14:hiddenLine xmlns="" xmlns:a14="http://schemas.microsoft.com/office/drawing/2010/main" w="9525">
                 <a:solidFill>
                   <a:schemeClr val="tx1"/>
                 </a:solidFill>
@@ -10093,14 +10094,14 @@
           <a:effectLst/>
           <a:extLst>
             <a:ext uri="{909E8E84-426E-40dd-AFC4-6F175D3DCCD1}">
-              <a14:hiddenFill xmlns:a14="http://schemas.microsoft.com/office/drawing/2010/main" xmlns="">
+              <a14:hiddenFill xmlns="" xmlns:a14="http://schemas.microsoft.com/office/drawing/2010/main">
                 <a:solidFill>
                   <a:schemeClr val="accent1"/>
                 </a:solidFill>
               </a14:hiddenFill>
             </a:ext>
             <a:ext uri="{91240B29-F687-4f45-9708-019B960494DF}">
-              <a14:hiddenLine xmlns:a14="http://schemas.microsoft.com/office/drawing/2010/main" xmlns="" w="9525">
+              <a14:hiddenLine xmlns="" xmlns:a14="http://schemas.microsoft.com/office/drawing/2010/main" w="9525">
                 <a:solidFill>
                   <a:schemeClr val="tx1"/>
                 </a:solidFill>
@@ -10110,7 +10111,7 @@
               </a14:hiddenLine>
             </a:ext>
             <a:ext uri="{AF507438-7753-43e0-B8FC-AC1667EBCBE1}">
-              <a14:hiddenEffects xmlns:a14="http://schemas.microsoft.com/office/drawing/2010/main" xmlns="">
+              <a14:hiddenEffects xmlns="" xmlns:a14="http://schemas.microsoft.com/office/drawing/2010/main">
                 <a:effectLst>
                   <a:outerShdw dist="35921" dir="2700000" algn="ctr" rotWithShape="0">
                     <a:schemeClr val="bg2"/>
@@ -10832,14 +10833,14 @@
           </a:ln>
           <a:extLst>
             <a:ext uri="{909E8E84-426E-40dd-AFC4-6F175D3DCCD1}">
-              <a14:hiddenFill xmlns:a14="http://schemas.microsoft.com/office/drawing/2010/main" xmlns="">
+              <a14:hiddenFill xmlns="" xmlns:a14="http://schemas.microsoft.com/office/drawing/2010/main">
                 <a:solidFill>
                   <a:schemeClr val="accent1"/>
                 </a:solidFill>
               </a14:hiddenFill>
             </a:ext>
             <a:ext uri="{91240B29-F687-4f45-9708-019B960494DF}">
-              <a14:hiddenLine xmlns:a14="http://schemas.microsoft.com/office/drawing/2010/main" xmlns="" w="9525">
+              <a14:hiddenLine xmlns="" xmlns:a14="http://schemas.microsoft.com/office/drawing/2010/main" w="9525">
                 <a:solidFill>
                   <a:schemeClr val="tx1"/>
                 </a:solidFill>
@@ -10992,14 +10993,14 @@
           </a:ln>
           <a:extLst>
             <a:ext uri="{909E8E84-426E-40dd-AFC4-6F175D3DCCD1}">
-              <a14:hiddenFill xmlns:a14="http://schemas.microsoft.com/office/drawing/2010/main" xmlns="">
+              <a14:hiddenFill xmlns="" xmlns:a14="http://schemas.microsoft.com/office/drawing/2010/main">
                 <a:solidFill>
                   <a:schemeClr val="accent1"/>
                 </a:solidFill>
               </a14:hiddenFill>
             </a:ext>
             <a:ext uri="{91240B29-F687-4f45-9708-019B960494DF}">
-              <a14:hiddenLine xmlns:a14="http://schemas.microsoft.com/office/drawing/2010/main" xmlns="" w="9525">
+              <a14:hiddenLine xmlns="" xmlns:a14="http://schemas.microsoft.com/office/drawing/2010/main" w="9525">
                 <a:solidFill>
                   <a:schemeClr val="tx1"/>
                 </a:solidFill>
@@ -11205,14 +11206,14 @@
           </a:ln>
           <a:extLst>
             <a:ext uri="{909E8E84-426E-40dd-AFC4-6F175D3DCCD1}">
-              <a14:hiddenFill xmlns:a14="http://schemas.microsoft.com/office/drawing/2010/main" xmlns="">
+              <a14:hiddenFill xmlns="" xmlns:a14="http://schemas.microsoft.com/office/drawing/2010/main">
                 <a:solidFill>
                   <a:schemeClr val="accent1"/>
                 </a:solidFill>
               </a14:hiddenFill>
             </a:ext>
             <a:ext uri="{91240B29-F687-4f45-9708-019B960494DF}">
-              <a14:hiddenLine xmlns:a14="http://schemas.microsoft.com/office/drawing/2010/main" xmlns="" w="9525">
+              <a14:hiddenLine xmlns="" xmlns:a14="http://schemas.microsoft.com/office/drawing/2010/main" w="9525">
                 <a:solidFill>
                   <a:schemeClr val="tx1"/>
                 </a:solidFill>
@@ -11587,14 +11588,14 @@
           </a:ln>
           <a:extLst>
             <a:ext uri="{909E8E84-426E-40dd-AFC4-6F175D3DCCD1}">
-              <a14:hiddenFill xmlns:a14="http://schemas.microsoft.com/office/drawing/2010/main" xmlns="">
+              <a14:hiddenFill xmlns="" xmlns:a14="http://schemas.microsoft.com/office/drawing/2010/main">
                 <a:solidFill>
                   <a:schemeClr val="accent1"/>
                 </a:solidFill>
               </a14:hiddenFill>
             </a:ext>
             <a:ext uri="{91240B29-F687-4f45-9708-019B960494DF}">
-              <a14:hiddenLine xmlns:a14="http://schemas.microsoft.com/office/drawing/2010/main" xmlns="" w="9525">
+              <a14:hiddenLine xmlns="" xmlns:a14="http://schemas.microsoft.com/office/drawing/2010/main" w="9525">
                 <a:solidFill>
                   <a:schemeClr val="tx1"/>
                 </a:solidFill>
